--- a/languages/383intro.pptx
+++ b/languages/383intro.pptx
@@ -108,12 +108,18 @@
       </a:defRPr>
     </a:lvl9pPr>
   </p:defaultTextStyle>
+  <p:extLst>
+    <p:ext uri="{EFAFB233-063F-42B5-8137-9DF3F51BA10A}">
+      <p15:sldGuideLst xmlns:p15="http://schemas.microsoft.com/office/powerpoint/2012/main"/>
+    </p:ext>
+  </p:extLst>
 </p:presentation>
 </file>
 
 <file path=ppt/revisionInfo.xml><?xml version="1.0" encoding="utf-8"?>
 <p1510:revInfo xmlns:a="http://schemas.openxmlformats.org/drawingml/2006/main" xmlns:r="http://schemas.openxmlformats.org/officeDocument/2006/relationships" xmlns:p1510="http://schemas.microsoft.com/office/powerpoint/2015/10/main">
   <p1510:revLst>
+    <p1510:client id="{63C54BA7-47A8-4369-BA8D-66563B0DB5CF}" v="1" dt="2022-05-10T19:18:23.662"/>
     <p1510:client id="{D41C82F6-3A92-46B8-9E4B-8A9A63DD911D}" v="127" dt="2022-05-09T21:16:56.659"/>
   </p1510:revLst>
 </p1510:revInfo>
@@ -653,6 +659,45 @@
       </pc:sldChg>
     </pc:docChg>
   </pc:docChgLst>
+  <pc:docChgLst>
+    <pc:chgData name="Toby Donaldson" userId="2e6e5431-bb17-4c41-9985-d39c50d83c73" providerId="ADAL" clId="{63C54BA7-47A8-4369-BA8D-66563B0DB5CF}"/>
+    <pc:docChg chg="modSld">
+      <pc:chgData name="Toby Donaldson" userId="2e6e5431-bb17-4c41-9985-d39c50d83c73" providerId="ADAL" clId="{63C54BA7-47A8-4369-BA8D-66563B0DB5CF}" dt="2022-05-10T19:18:23.662" v="2"/>
+      <pc:docMkLst>
+        <pc:docMk/>
+      </pc:docMkLst>
+      <pc:sldChg chg="modSp mod">
+        <pc:chgData name="Toby Donaldson" userId="2e6e5431-bb17-4c41-9985-d39c50d83c73" providerId="ADAL" clId="{63C54BA7-47A8-4369-BA8D-66563B0DB5CF}" dt="2022-05-10T19:16:40.409" v="1" actId="20577"/>
+        <pc:sldMkLst>
+          <pc:docMk/>
+          <pc:sldMk cId="4265170066" sldId="259"/>
+        </pc:sldMkLst>
+        <pc:spChg chg="mod">
+          <ac:chgData name="Toby Donaldson" userId="2e6e5431-bb17-4c41-9985-d39c50d83c73" providerId="ADAL" clId="{63C54BA7-47A8-4369-BA8D-66563B0DB5CF}" dt="2022-05-10T19:16:22.468" v="0" actId="20577"/>
+          <ac:spMkLst>
+            <pc:docMk/>
+            <pc:sldMk cId="4265170066" sldId="259"/>
+            <ac:spMk id="26" creationId="{583A51D5-C360-F750-3B23-029F9FBFD94D}"/>
+          </ac:spMkLst>
+        </pc:spChg>
+        <pc:spChg chg="mod">
+          <ac:chgData name="Toby Donaldson" userId="2e6e5431-bb17-4c41-9985-d39c50d83c73" providerId="ADAL" clId="{63C54BA7-47A8-4369-BA8D-66563B0DB5CF}" dt="2022-05-10T19:16:40.409" v="1" actId="20577"/>
+          <ac:spMkLst>
+            <pc:docMk/>
+            <pc:sldMk cId="4265170066" sldId="259"/>
+            <ac:spMk id="28" creationId="{34B322E8-0D33-E744-92E8-E16080EC78B8}"/>
+          </ac:spMkLst>
+        </pc:spChg>
+      </pc:sldChg>
+      <pc:sldChg chg="modAnim">
+        <pc:chgData name="Toby Donaldson" userId="2e6e5431-bb17-4c41-9985-d39c50d83c73" providerId="ADAL" clId="{63C54BA7-47A8-4369-BA8D-66563B0DB5CF}" dt="2022-05-10T19:18:23.662" v="2"/>
+        <pc:sldMkLst>
+          <pc:docMk/>
+          <pc:sldMk cId="2340013732" sldId="260"/>
+        </pc:sldMkLst>
+      </pc:sldChg>
+    </pc:docChg>
+  </pc:docChgLst>
 </pc:chgInfo>
 </file>
 
@@ -805,7 +850,7 @@
           <a:p>
             <a:fld id="{427089B2-3535-424C-9840-364E4FC297F2}" type="datetimeFigureOut">
               <a:rPr lang="en-AU" smtClean="0"/>
-              <a:t>9/05/2022</a:t>
+              <a:t>10/05/2022</a:t>
             </a:fld>
             <a:endParaRPr lang="en-AU"/>
           </a:p>
@@ -1005,7 +1050,7 @@
           <a:p>
             <a:fld id="{427089B2-3535-424C-9840-364E4FC297F2}" type="datetimeFigureOut">
               <a:rPr lang="en-AU" smtClean="0"/>
-              <a:t>9/05/2022</a:t>
+              <a:t>10/05/2022</a:t>
             </a:fld>
             <a:endParaRPr lang="en-AU"/>
           </a:p>
@@ -1215,7 +1260,7 @@
           <a:p>
             <a:fld id="{427089B2-3535-424C-9840-364E4FC297F2}" type="datetimeFigureOut">
               <a:rPr lang="en-AU" smtClean="0"/>
-              <a:t>9/05/2022</a:t>
+              <a:t>10/05/2022</a:t>
             </a:fld>
             <a:endParaRPr lang="en-AU"/>
           </a:p>
@@ -1415,7 +1460,7 @@
           <a:p>
             <a:fld id="{427089B2-3535-424C-9840-364E4FC297F2}" type="datetimeFigureOut">
               <a:rPr lang="en-AU" smtClean="0"/>
-              <a:t>9/05/2022</a:t>
+              <a:t>10/05/2022</a:t>
             </a:fld>
             <a:endParaRPr lang="en-AU"/>
           </a:p>
@@ -1691,7 +1736,7 @@
           <a:p>
             <a:fld id="{427089B2-3535-424C-9840-364E4FC297F2}" type="datetimeFigureOut">
               <a:rPr lang="en-AU" smtClean="0"/>
-              <a:t>9/05/2022</a:t>
+              <a:t>10/05/2022</a:t>
             </a:fld>
             <a:endParaRPr lang="en-AU"/>
           </a:p>
@@ -1959,7 +2004,7 @@
           <a:p>
             <a:fld id="{427089B2-3535-424C-9840-364E4FC297F2}" type="datetimeFigureOut">
               <a:rPr lang="en-AU" smtClean="0"/>
-              <a:t>9/05/2022</a:t>
+              <a:t>10/05/2022</a:t>
             </a:fld>
             <a:endParaRPr lang="en-AU"/>
           </a:p>
@@ -2374,7 +2419,7 @@
           <a:p>
             <a:fld id="{427089B2-3535-424C-9840-364E4FC297F2}" type="datetimeFigureOut">
               <a:rPr lang="en-AU" smtClean="0"/>
-              <a:t>9/05/2022</a:t>
+              <a:t>10/05/2022</a:t>
             </a:fld>
             <a:endParaRPr lang="en-AU"/>
           </a:p>
@@ -2516,7 +2561,7 @@
           <a:p>
             <a:fld id="{427089B2-3535-424C-9840-364E4FC297F2}" type="datetimeFigureOut">
               <a:rPr lang="en-AU" smtClean="0"/>
-              <a:t>9/05/2022</a:t>
+              <a:t>10/05/2022</a:t>
             </a:fld>
             <a:endParaRPr lang="en-AU"/>
           </a:p>
@@ -2629,7 +2674,7 @@
           <a:p>
             <a:fld id="{427089B2-3535-424C-9840-364E4FC297F2}" type="datetimeFigureOut">
               <a:rPr lang="en-AU" smtClean="0"/>
-              <a:t>9/05/2022</a:t>
+              <a:t>10/05/2022</a:t>
             </a:fld>
             <a:endParaRPr lang="en-AU"/>
           </a:p>
@@ -2942,7 +2987,7 @@
           <a:p>
             <a:fld id="{427089B2-3535-424C-9840-364E4FC297F2}" type="datetimeFigureOut">
               <a:rPr lang="en-AU" smtClean="0"/>
-              <a:t>9/05/2022</a:t>
+              <a:t>10/05/2022</a:t>
             </a:fld>
             <a:endParaRPr lang="en-AU"/>
           </a:p>
@@ -3231,7 +3276,7 @@
           <a:p>
             <a:fld id="{427089B2-3535-424C-9840-364E4FC297F2}" type="datetimeFigureOut">
               <a:rPr lang="en-AU" smtClean="0"/>
-              <a:t>9/05/2022</a:t>
+              <a:t>10/05/2022</a:t>
             </a:fld>
             <a:endParaRPr lang="en-AU"/>
           </a:p>
@@ -3474,7 +3519,7 @@
           <a:p>
             <a:fld id="{427089B2-3535-424C-9840-364E4FC297F2}" type="datetimeFigureOut">
               <a:rPr lang="en-AU" smtClean="0"/>
-              <a:t>9/05/2022</a:t>
+              <a:t>10/05/2022</a:t>
             </a:fld>
             <a:endParaRPr lang="en-AU"/>
           </a:p>
@@ -4238,7 +4283,7 @@
               </a:br>
               <a:r>
                 <a:rPr lang="en-CA" dirty="0"/>
-                <a:t>back-end.</a:t>
+                <a:t>back-ends.</a:t>
               </a:r>
               <a:endParaRPr lang="en-AU" dirty="0"/>
             </a:p>
@@ -4260,9 +4305,9 @@
         <p:grpSpPr>
           <a:xfrm>
             <a:off x="2994915" y="696595"/>
-            <a:ext cx="1788951" cy="5187811"/>
+            <a:ext cx="1910779" cy="5187811"/>
             <a:chOff x="2994915" y="1158259"/>
-            <a:chExt cx="1788951" cy="5187811"/>
+            <a:chExt cx="1910779" cy="5187811"/>
           </a:xfrm>
         </p:grpSpPr>
         <p:grpSp>
@@ -4280,9 +4325,9 @@
           <p:grpSpPr>
             <a:xfrm>
               <a:off x="2994915" y="1158259"/>
-              <a:ext cx="1788951" cy="4284216"/>
+              <a:ext cx="1910779" cy="4284216"/>
               <a:chOff x="2941829" y="1158259"/>
-              <a:chExt cx="1788951" cy="4284216"/>
+              <a:chExt cx="1910779" cy="4284216"/>
             </a:xfrm>
           </p:grpSpPr>
           <p:grpSp>
@@ -4404,7 +4449,7 @@
             <p:spPr>
               <a:xfrm>
                 <a:off x="2941829" y="4519145"/>
-                <a:ext cx="1788951" cy="923330"/>
+                <a:ext cx="1910779" cy="923330"/>
               </a:xfrm>
               <a:prstGeom prst="rect">
                 <a:avLst/>
@@ -4444,7 +4489,7 @@
               <a:p>
                 <a:r>
                   <a:rPr lang="en-CA" dirty="0"/>
-                  <a:t>Dynamically type</a:t>
+                  <a:t>Dynamically typed</a:t>
                 </a:r>
               </a:p>
             </p:txBody>
@@ -5693,6 +5738,326 @@
   <p:clrMapOvr>
     <a:masterClrMapping/>
   </p:clrMapOvr>
+  <p:timing>
+    <p:tnLst>
+      <p:par>
+        <p:cTn id="1" dur="indefinite" restart="never" nodeType="tmRoot">
+          <p:childTnLst>
+            <p:seq concurrent="1" nextAc="seek">
+              <p:cTn id="2" dur="indefinite" nodeType="mainSeq">
+                <p:childTnLst>
+                  <p:par>
+                    <p:cTn id="3" fill="hold">
+                      <p:stCondLst>
+                        <p:cond delay="indefinite"/>
+                      </p:stCondLst>
+                      <p:childTnLst>
+                        <p:par>
+                          <p:cTn id="4" fill="hold">
+                            <p:stCondLst>
+                              <p:cond delay="0"/>
+                            </p:stCondLst>
+                            <p:childTnLst>
+                              <p:par>
+                                <p:cTn id="5" presetID="10" presetClass="entr" presetSubtype="0" fill="hold" grpId="0" nodeType="clickEffect">
+                                  <p:stCondLst>
+                                    <p:cond delay="0"/>
+                                  </p:stCondLst>
+                                  <p:childTnLst>
+                                    <p:set>
+                                      <p:cBhvr>
+                                        <p:cTn id="6" dur="1" fill="hold">
+                                          <p:stCondLst>
+                                            <p:cond delay="0"/>
+                                          </p:stCondLst>
+                                        </p:cTn>
+                                        <p:tgtEl>
+                                          <p:spTgt spid="3">
+                                            <p:txEl>
+                                              <p:pRg st="0" end="0"/>
+                                            </p:txEl>
+                                          </p:spTgt>
+                                        </p:tgtEl>
+                                        <p:attrNameLst>
+                                          <p:attrName>style.visibility</p:attrName>
+                                        </p:attrNameLst>
+                                      </p:cBhvr>
+                                      <p:to>
+                                        <p:strVal val="visible"/>
+                                      </p:to>
+                                    </p:set>
+                                    <p:animEffect transition="in" filter="fade">
+                                      <p:cBhvr>
+                                        <p:cTn id="7" dur="500"/>
+                                        <p:tgtEl>
+                                          <p:spTgt spid="3">
+                                            <p:txEl>
+                                              <p:pRg st="0" end="0"/>
+                                            </p:txEl>
+                                          </p:spTgt>
+                                        </p:tgtEl>
+                                      </p:cBhvr>
+                                    </p:animEffect>
+                                  </p:childTnLst>
+                                </p:cTn>
+                              </p:par>
+                            </p:childTnLst>
+                          </p:cTn>
+                        </p:par>
+                      </p:childTnLst>
+                    </p:cTn>
+                  </p:par>
+                  <p:par>
+                    <p:cTn id="8" fill="hold">
+                      <p:stCondLst>
+                        <p:cond delay="indefinite"/>
+                      </p:stCondLst>
+                      <p:childTnLst>
+                        <p:par>
+                          <p:cTn id="9" fill="hold">
+                            <p:stCondLst>
+                              <p:cond delay="0"/>
+                            </p:stCondLst>
+                            <p:childTnLst>
+                              <p:par>
+                                <p:cTn id="10" presetID="10" presetClass="entr" presetSubtype="0" fill="hold" grpId="0" nodeType="clickEffect">
+                                  <p:stCondLst>
+                                    <p:cond delay="0"/>
+                                  </p:stCondLst>
+                                  <p:childTnLst>
+                                    <p:set>
+                                      <p:cBhvr>
+                                        <p:cTn id="11" dur="1" fill="hold">
+                                          <p:stCondLst>
+                                            <p:cond delay="0"/>
+                                          </p:stCondLst>
+                                        </p:cTn>
+                                        <p:tgtEl>
+                                          <p:spTgt spid="3">
+                                            <p:txEl>
+                                              <p:pRg st="1" end="1"/>
+                                            </p:txEl>
+                                          </p:spTgt>
+                                        </p:tgtEl>
+                                        <p:attrNameLst>
+                                          <p:attrName>style.visibility</p:attrName>
+                                        </p:attrNameLst>
+                                      </p:cBhvr>
+                                      <p:to>
+                                        <p:strVal val="visible"/>
+                                      </p:to>
+                                    </p:set>
+                                    <p:animEffect transition="in" filter="fade">
+                                      <p:cBhvr>
+                                        <p:cTn id="12" dur="500"/>
+                                        <p:tgtEl>
+                                          <p:spTgt spid="3">
+                                            <p:txEl>
+                                              <p:pRg st="1" end="1"/>
+                                            </p:txEl>
+                                          </p:spTgt>
+                                        </p:tgtEl>
+                                      </p:cBhvr>
+                                    </p:animEffect>
+                                  </p:childTnLst>
+                                </p:cTn>
+                              </p:par>
+                            </p:childTnLst>
+                          </p:cTn>
+                        </p:par>
+                      </p:childTnLst>
+                    </p:cTn>
+                  </p:par>
+                  <p:par>
+                    <p:cTn id="13" fill="hold">
+                      <p:stCondLst>
+                        <p:cond delay="indefinite"/>
+                      </p:stCondLst>
+                      <p:childTnLst>
+                        <p:par>
+                          <p:cTn id="14" fill="hold">
+                            <p:stCondLst>
+                              <p:cond delay="0"/>
+                            </p:stCondLst>
+                            <p:childTnLst>
+                              <p:par>
+                                <p:cTn id="15" presetID="10" presetClass="entr" presetSubtype="0" fill="hold" grpId="0" nodeType="clickEffect">
+                                  <p:stCondLst>
+                                    <p:cond delay="0"/>
+                                  </p:stCondLst>
+                                  <p:childTnLst>
+                                    <p:set>
+                                      <p:cBhvr>
+                                        <p:cTn id="16" dur="1" fill="hold">
+                                          <p:stCondLst>
+                                            <p:cond delay="0"/>
+                                          </p:stCondLst>
+                                        </p:cTn>
+                                        <p:tgtEl>
+                                          <p:spTgt spid="3">
+                                            <p:txEl>
+                                              <p:pRg st="2" end="2"/>
+                                            </p:txEl>
+                                          </p:spTgt>
+                                        </p:tgtEl>
+                                        <p:attrNameLst>
+                                          <p:attrName>style.visibility</p:attrName>
+                                        </p:attrNameLst>
+                                      </p:cBhvr>
+                                      <p:to>
+                                        <p:strVal val="visible"/>
+                                      </p:to>
+                                    </p:set>
+                                    <p:animEffect transition="in" filter="fade">
+                                      <p:cBhvr>
+                                        <p:cTn id="17" dur="500"/>
+                                        <p:tgtEl>
+                                          <p:spTgt spid="3">
+                                            <p:txEl>
+                                              <p:pRg st="2" end="2"/>
+                                            </p:txEl>
+                                          </p:spTgt>
+                                        </p:tgtEl>
+                                      </p:cBhvr>
+                                    </p:animEffect>
+                                  </p:childTnLst>
+                                </p:cTn>
+                              </p:par>
+                            </p:childTnLst>
+                          </p:cTn>
+                        </p:par>
+                      </p:childTnLst>
+                    </p:cTn>
+                  </p:par>
+                  <p:par>
+                    <p:cTn id="18" fill="hold">
+                      <p:stCondLst>
+                        <p:cond delay="indefinite"/>
+                      </p:stCondLst>
+                      <p:childTnLst>
+                        <p:par>
+                          <p:cTn id="19" fill="hold">
+                            <p:stCondLst>
+                              <p:cond delay="0"/>
+                            </p:stCondLst>
+                            <p:childTnLst>
+                              <p:par>
+                                <p:cTn id="20" presetID="10" presetClass="entr" presetSubtype="0" fill="hold" grpId="0" nodeType="clickEffect">
+                                  <p:stCondLst>
+                                    <p:cond delay="0"/>
+                                  </p:stCondLst>
+                                  <p:childTnLst>
+                                    <p:set>
+                                      <p:cBhvr>
+                                        <p:cTn id="21" dur="1" fill="hold">
+                                          <p:stCondLst>
+                                            <p:cond delay="0"/>
+                                          </p:stCondLst>
+                                        </p:cTn>
+                                        <p:tgtEl>
+                                          <p:spTgt spid="3">
+                                            <p:txEl>
+                                              <p:pRg st="3" end="3"/>
+                                            </p:txEl>
+                                          </p:spTgt>
+                                        </p:tgtEl>
+                                        <p:attrNameLst>
+                                          <p:attrName>style.visibility</p:attrName>
+                                        </p:attrNameLst>
+                                      </p:cBhvr>
+                                      <p:to>
+                                        <p:strVal val="visible"/>
+                                      </p:to>
+                                    </p:set>
+                                    <p:animEffect transition="in" filter="fade">
+                                      <p:cBhvr>
+                                        <p:cTn id="22" dur="500"/>
+                                        <p:tgtEl>
+                                          <p:spTgt spid="3">
+                                            <p:txEl>
+                                              <p:pRg st="3" end="3"/>
+                                            </p:txEl>
+                                          </p:spTgt>
+                                        </p:tgtEl>
+                                      </p:cBhvr>
+                                    </p:animEffect>
+                                  </p:childTnLst>
+                                </p:cTn>
+                              </p:par>
+                              <p:par>
+                                <p:cTn id="23" presetID="10" presetClass="entr" presetSubtype="0" fill="hold" grpId="0" nodeType="withEffect">
+                                  <p:stCondLst>
+                                    <p:cond delay="0"/>
+                                  </p:stCondLst>
+                                  <p:childTnLst>
+                                    <p:set>
+                                      <p:cBhvr>
+                                        <p:cTn id="24" dur="1" fill="hold">
+                                          <p:stCondLst>
+                                            <p:cond delay="0"/>
+                                          </p:stCondLst>
+                                        </p:cTn>
+                                        <p:tgtEl>
+                                          <p:spTgt spid="3">
+                                            <p:txEl>
+                                              <p:pRg st="4" end="4"/>
+                                            </p:txEl>
+                                          </p:spTgt>
+                                        </p:tgtEl>
+                                        <p:attrNameLst>
+                                          <p:attrName>style.visibility</p:attrName>
+                                        </p:attrNameLst>
+                                      </p:cBhvr>
+                                      <p:to>
+                                        <p:strVal val="visible"/>
+                                      </p:to>
+                                    </p:set>
+                                    <p:animEffect transition="in" filter="fade">
+                                      <p:cBhvr>
+                                        <p:cTn id="25" dur="500"/>
+                                        <p:tgtEl>
+                                          <p:spTgt spid="3">
+                                            <p:txEl>
+                                              <p:pRg st="4" end="4"/>
+                                            </p:txEl>
+                                          </p:spTgt>
+                                        </p:tgtEl>
+                                      </p:cBhvr>
+                                    </p:animEffect>
+                                  </p:childTnLst>
+                                </p:cTn>
+                              </p:par>
+                            </p:childTnLst>
+                          </p:cTn>
+                        </p:par>
+                      </p:childTnLst>
+                    </p:cTn>
+                  </p:par>
+                </p:childTnLst>
+              </p:cTn>
+              <p:prevCondLst>
+                <p:cond evt="onPrev" delay="0">
+                  <p:tgtEl>
+                    <p:sldTgt/>
+                  </p:tgtEl>
+                </p:cond>
+              </p:prevCondLst>
+              <p:nextCondLst>
+                <p:cond evt="onNext" delay="0">
+                  <p:tgtEl>
+                    <p:sldTgt/>
+                  </p:tgtEl>
+                </p:cond>
+              </p:nextCondLst>
+            </p:seq>
+          </p:childTnLst>
+        </p:cTn>
+      </p:par>
+    </p:tnLst>
+    <p:bldLst>
+      <p:bldP spid="3" grpId="0" build="p"/>
+    </p:bldLst>
+  </p:timing>
 </p:sld>
 </file>
 
